--- a/Node_ERPV2/document/ERP_포트폴리오.pptx
+++ b/Node_ERPV2/document/ERP_포트폴리오.pptx
@@ -10,9 +10,12 @@
     <p:sldId id="260" r:id="rId4"/>
     <p:sldId id="259" r:id="rId5"/>
     <p:sldId id="257" r:id="rId6"/>
-    <p:sldId id="261" r:id="rId7"/>
-    <p:sldId id="262" r:id="rId8"/>
-    <p:sldId id="258" r:id="rId9"/>
+    <p:sldId id="264" r:id="rId7"/>
+    <p:sldId id="266" r:id="rId8"/>
+    <p:sldId id="261" r:id="rId9"/>
+    <p:sldId id="258" r:id="rId10"/>
+    <p:sldId id="262" r:id="rId11"/>
+    <p:sldId id="263" r:id="rId12"/>
   </p:sldIdLst>
   <p:sldSz cx="12192000" cy="6858000"/>
   <p:notesSz cx="6858000" cy="9144000"/>
@@ -4691,6 +4694,122 @@
 </p:sld>
 </file>
 
+<file path=ppt/slides/slide10.xml><?xml version="1.0" encoding="utf-8"?>
+<p:sld xmlns:a="http://schemas.openxmlformats.org/drawingml/2006/main" xmlns:r="http://schemas.openxmlformats.org/officeDocument/2006/relationships" xmlns:p="http://schemas.openxmlformats.org/presentationml/2006/main">
+  <p:cSld>
+    <p:spTree>
+      <p:nvGrpSpPr>
+        <p:cNvPr id="1" name=""/>
+        <p:cNvGrpSpPr/>
+        <p:nvPr/>
+      </p:nvGrpSpPr>
+      <p:grpSpPr>
+        <a:xfrm>
+          <a:off x="0" y="0"/>
+          <a:ext cx="0" cy="0"/>
+          <a:chOff x="0" y="0"/>
+          <a:chExt cx="0" cy="0"/>
+        </a:xfrm>
+      </p:grpSpPr>
+      <p:sp>
+        <p:nvSpPr>
+          <p:cNvPr id="2" name="제목 1">
+            <a:extLst>
+              <a:ext uri="{FF2B5EF4-FFF2-40B4-BE49-F238E27FC236}">
+                <a16:creationId xmlns:a16="http://schemas.microsoft.com/office/drawing/2014/main" id="{07CBF38A-CD4A-D006-B26B-6289B68D67C7}"/>
+              </a:ext>
+            </a:extLst>
+          </p:cNvPr>
+          <p:cNvSpPr>
+            <a:spLocks noGrp="1"/>
+          </p:cNvSpPr>
+          <p:nvPr>
+            <p:ph type="title"/>
+          </p:nvPr>
+        </p:nvSpPr>
+        <p:spPr>
+          <a:xfrm>
+            <a:off x="838200" y="365124"/>
+            <a:ext cx="10515600" cy="806400"/>
+          </a:xfrm>
+          <a:gradFill>
+            <a:gsLst>
+              <a:gs pos="0">
+                <a:schemeClr val="accent1">
+                  <a:lumMod val="5000"/>
+                  <a:lumOff val="95000"/>
+                </a:schemeClr>
+              </a:gs>
+              <a:gs pos="100000">
+                <a:srgbClr val="061A7E"/>
+              </a:gs>
+            </a:gsLst>
+          </a:gradFill>
+        </p:spPr>
+        <p:txBody>
+          <a:bodyPr/>
+          <a:lstStyle/>
+          <a:p>
+            <a:r>
+              <a:rPr lang="en-US" altLang="ko-KR" dirty="0">
+                <a:latin typeface="HY헤드라인M" panose="02030600000101010101" pitchFamily="18" charset="-127"/>
+                <a:ea typeface="HY헤드라인M" panose="02030600000101010101" pitchFamily="18" charset="-127"/>
+              </a:rPr>
+              <a:t>ERD-</a:t>
+            </a:r>
+            <a:r>
+              <a:rPr lang="ko-KR" altLang="en-US" dirty="0">
+                <a:latin typeface="HY헤드라인M" panose="02030600000101010101" pitchFamily="18" charset="-127"/>
+                <a:ea typeface="HY헤드라인M" panose="02030600000101010101" pitchFamily="18" charset="-127"/>
+              </a:rPr>
+              <a:t>상품정보</a:t>
+            </a:r>
+          </a:p>
+        </p:txBody>
+      </p:sp>
+      <p:pic>
+        <p:nvPicPr>
+          <p:cNvPr id="4" name="그림 3">
+            <a:extLst>
+              <a:ext uri="{FF2B5EF4-FFF2-40B4-BE49-F238E27FC236}">
+                <a16:creationId xmlns:a16="http://schemas.microsoft.com/office/drawing/2014/main" id="{9BF57644-390B-9801-6158-12E9C952CF11}"/>
+              </a:ext>
+            </a:extLst>
+          </p:cNvPr>
+          <p:cNvPicPr>
+            <a:picLocks noChangeAspect="1"/>
+          </p:cNvPicPr>
+          <p:nvPr/>
+        </p:nvPicPr>
+        <p:blipFill>
+          <a:blip r:embed="rId2"/>
+          <a:stretch>
+            <a:fillRect/>
+          </a:stretch>
+        </p:blipFill>
+        <p:spPr>
+          <a:xfrm>
+            <a:off x="3525262" y="1887460"/>
+            <a:ext cx="5141475" cy="3840985"/>
+          </a:xfrm>
+          <a:prstGeom prst="rect">
+            <a:avLst/>
+          </a:prstGeom>
+        </p:spPr>
+      </p:pic>
+    </p:spTree>
+    <p:extLst>
+      <p:ext uri="{BB962C8B-B14F-4D97-AF65-F5344CB8AC3E}">
+        <p14:creationId xmlns:p14="http://schemas.microsoft.com/office/powerpoint/2010/main" val="1609811543"/>
+      </p:ext>
+    </p:extLst>
+  </p:cSld>
+  <p:clrMapOvr>
+    <a:masterClrMapping/>
+  </p:clrMapOvr>
+</p:sld>
+</file>
+
 <file path=ppt/slides/slide2.xml><?xml version="1.0" encoding="utf-8"?>
 <p:sld xmlns:a="http://schemas.openxmlformats.org/drawingml/2006/main" xmlns:r="http://schemas.openxmlformats.org/officeDocument/2006/relationships" xmlns:p="http://schemas.openxmlformats.org/presentationml/2006/main">
   <p:cSld>
@@ -6116,7 +6235,7 @@
           <p:cNvPr id="2" name="제목 1">
             <a:extLst>
               <a:ext uri="{FF2B5EF4-FFF2-40B4-BE49-F238E27FC236}">
-                <a16:creationId xmlns:a16="http://schemas.microsoft.com/office/drawing/2014/main" id="{98102352-50D3-3E53-D33F-3E8BB3753F66}"/>
+                <a16:creationId xmlns:a16="http://schemas.microsoft.com/office/drawing/2014/main" id="{3E63695A-AA22-EEE8-9F7C-98E9900507A4}"/>
               </a:ext>
             </a:extLst>
           </p:cNvPr>
@@ -6127,24 +6246,66 @@
             <p:ph type="title"/>
           </p:nvPr>
         </p:nvSpPr>
-        <p:spPr/>
+        <p:spPr>
+          <a:xfrm>
+            <a:off x="838200" y="365124"/>
+            <a:ext cx="10515600" cy="806400"/>
+          </a:xfrm>
+          <a:gradFill>
+            <a:gsLst>
+              <a:gs pos="0">
+                <a:schemeClr val="accent1">
+                  <a:lumMod val="5000"/>
+                  <a:lumOff val="95000"/>
+                </a:schemeClr>
+              </a:gs>
+              <a:gs pos="100000">
+                <a:srgbClr val="061A7E"/>
+              </a:gs>
+            </a:gsLst>
+          </a:gradFill>
+        </p:spPr>
         <p:txBody>
           <a:bodyPr/>
           <a:lstStyle/>
           <a:p>
-            <a:endParaRPr lang="ko-KR" altLang="en-US" dirty="0">
-              <a:latin typeface="HY헤드라인M" panose="02030600000101010101" pitchFamily="18" charset="-127"/>
-              <a:ea typeface="HY헤드라인M" panose="02030600000101010101" pitchFamily="18" charset="-127"/>
-            </a:endParaRPr>
+            <a:r>
+              <a:rPr lang="en-US" altLang="ko-KR" dirty="0">
+                <a:latin typeface="HY헤드라인M" panose="02030600000101010101" pitchFamily="18" charset="-127"/>
+                <a:ea typeface="HY헤드라인M" panose="02030600000101010101" pitchFamily="18" charset="-127"/>
+              </a:rPr>
+              <a:t>Table </a:t>
+            </a:r>
+            <a:r>
+              <a:rPr lang="ko-KR" altLang="en-US" dirty="0">
+                <a:latin typeface="HY헤드라인M" panose="02030600000101010101" pitchFamily="18" charset="-127"/>
+                <a:ea typeface="HY헤드라인M" panose="02030600000101010101" pitchFamily="18" charset="-127"/>
+              </a:rPr>
+              <a:t>설계 </a:t>
+            </a:r>
+            <a:r>
+              <a:rPr lang="en-US" altLang="ko-KR" dirty="0">
+                <a:latin typeface="HY헤드라인M" panose="02030600000101010101" pitchFamily="18" charset="-127"/>
+                <a:ea typeface="HY헤드라인M" panose="02030600000101010101" pitchFamily="18" charset="-127"/>
+              </a:rPr>
+              <a:t>- </a:t>
+            </a:r>
+            <a:r>
+              <a:rPr lang="ko-KR" altLang="en-US" dirty="0">
+                <a:latin typeface="HY헤드라인M" panose="02030600000101010101" pitchFamily="18" charset="-127"/>
+                <a:ea typeface="HY헤드라인M" panose="02030600000101010101" pitchFamily="18" charset="-127"/>
+              </a:rPr>
+              <a:t>사용자정보</a:t>
+            </a:r>
           </a:p>
         </p:txBody>
       </p:sp>
       <p:pic>
         <p:nvPicPr>
-          <p:cNvPr id="4" name="그림 3">
-            <a:extLst>
-              <a:ext uri="{FF2B5EF4-FFF2-40B4-BE49-F238E27FC236}">
-                <a16:creationId xmlns:a16="http://schemas.microsoft.com/office/drawing/2014/main" id="{B46DDEBC-27B2-6DDB-4A50-74E906E03353}"/>
+          <p:cNvPr id="10" name="그림 9">
+            <a:extLst>
+              <a:ext uri="{FF2B5EF4-FFF2-40B4-BE49-F238E27FC236}">
+                <a16:creationId xmlns:a16="http://schemas.microsoft.com/office/drawing/2014/main" id="{935E47C4-44A9-7487-06DA-B36B6E0D1F2A}"/>
               </a:ext>
             </a:extLst>
           </p:cNvPr>
@@ -6161,8 +6322,8 @@
         </p:blipFill>
         <p:spPr>
           <a:xfrm>
-            <a:off x="1476175" y="1601650"/>
-            <a:ext cx="9239650" cy="4162655"/>
+            <a:off x="1336800" y="1525284"/>
+            <a:ext cx="9518400" cy="4686174"/>
           </a:xfrm>
           <a:prstGeom prst="rect">
             <a:avLst/>
@@ -6172,7 +6333,7 @@
     </p:spTree>
     <p:extLst>
       <p:ext uri="{BB962C8B-B14F-4D97-AF65-F5344CB8AC3E}">
-        <p14:creationId xmlns:p14="http://schemas.microsoft.com/office/powerpoint/2010/main" val="2475733934"/>
+        <p14:creationId xmlns:p14="http://schemas.microsoft.com/office/powerpoint/2010/main" val="444709372"/>
       </p:ext>
     </p:extLst>
   </p:cSld>
@@ -6204,7 +6365,7 @@
           <p:cNvPr id="2" name="제목 1">
             <a:extLst>
               <a:ext uri="{FF2B5EF4-FFF2-40B4-BE49-F238E27FC236}">
-                <a16:creationId xmlns:a16="http://schemas.microsoft.com/office/drawing/2014/main" id="{2E7DA888-FD1D-9FAD-D6F1-5D1E48812BC5}"/>
+                <a16:creationId xmlns:a16="http://schemas.microsoft.com/office/drawing/2014/main" id="{3E63695A-AA22-EEE8-9F7C-98E9900507A4}"/>
               </a:ext>
             </a:extLst>
           </p:cNvPr>
@@ -6215,7 +6376,25 @@
             <p:ph type="title"/>
           </p:nvPr>
         </p:nvSpPr>
-        <p:spPr/>
+        <p:spPr>
+          <a:xfrm>
+            <a:off x="838200" y="365124"/>
+            <a:ext cx="10515600" cy="806400"/>
+          </a:xfrm>
+          <a:gradFill>
+            <a:gsLst>
+              <a:gs pos="0">
+                <a:schemeClr val="accent1">
+                  <a:lumMod val="5000"/>
+                  <a:lumOff val="95000"/>
+                </a:schemeClr>
+              </a:gs>
+              <a:gs pos="100000">
+                <a:srgbClr val="061A7E"/>
+              </a:gs>
+            </a:gsLst>
+          </a:gradFill>
+        </p:spPr>
         <p:txBody>
           <a:bodyPr/>
           <a:lstStyle/>
@@ -6225,24 +6404,38 @@
                 <a:latin typeface="HY헤드라인M" panose="02030600000101010101" pitchFamily="18" charset="-127"/>
                 <a:ea typeface="HY헤드라인M" panose="02030600000101010101" pitchFamily="18" charset="-127"/>
               </a:rPr>
-              <a:t>ERD-</a:t>
+              <a:t>Table </a:t>
             </a:r>
             <a:r>
               <a:rPr lang="ko-KR" altLang="en-US" dirty="0">
                 <a:latin typeface="HY헤드라인M" panose="02030600000101010101" pitchFamily="18" charset="-127"/>
                 <a:ea typeface="HY헤드라인M" panose="02030600000101010101" pitchFamily="18" charset="-127"/>
               </a:rPr>
-              <a:t>사용자정보</a:t>
+              <a:t>설계 </a:t>
+            </a:r>
+            <a:r>
+              <a:rPr lang="en-US" altLang="ko-KR" dirty="0">
+                <a:latin typeface="HY헤드라인M" panose="02030600000101010101" pitchFamily="18" charset="-127"/>
+                <a:ea typeface="HY헤드라인M" panose="02030600000101010101" pitchFamily="18" charset="-127"/>
+              </a:rPr>
+              <a:t>- </a:t>
+            </a:r>
+            <a:r>
+              <a:rPr lang="ko-KR" altLang="en-US" dirty="0">
+                <a:latin typeface="HY헤드라인M" panose="02030600000101010101" pitchFamily="18" charset="-127"/>
+                <a:ea typeface="HY헤드라인M" panose="02030600000101010101" pitchFamily="18" charset="-127"/>
+              </a:rPr>
+              <a:t>상품정보</a:t>
             </a:r>
           </a:p>
         </p:txBody>
       </p:sp>
       <p:pic>
         <p:nvPicPr>
-          <p:cNvPr id="4" name="그림 3">
-            <a:extLst>
-              <a:ext uri="{FF2B5EF4-FFF2-40B4-BE49-F238E27FC236}">
-                <a16:creationId xmlns:a16="http://schemas.microsoft.com/office/drawing/2014/main" id="{D2424C83-5125-08A1-070A-1D2EA84C43E2}"/>
+          <p:cNvPr id="3" name="그림 2">
+            <a:extLst>
+              <a:ext uri="{FF2B5EF4-FFF2-40B4-BE49-F238E27FC236}">
+                <a16:creationId xmlns:a16="http://schemas.microsoft.com/office/drawing/2014/main" id="{DEC8066E-AEA3-1C99-1602-3947F34681A8}"/>
               </a:ext>
             </a:extLst>
           </p:cNvPr>
@@ -6259,8 +6452,8 @@
         </p:blipFill>
         <p:spPr>
           <a:xfrm>
-            <a:off x="2788746" y="2028942"/>
-            <a:ext cx="6614507" cy="3287129"/>
+            <a:off x="1336800" y="1489892"/>
+            <a:ext cx="9518400" cy="4757082"/>
           </a:xfrm>
           <a:prstGeom prst="rect">
             <a:avLst/>
@@ -6270,7 +6463,7 @@
     </p:spTree>
     <p:extLst>
       <p:ext uri="{BB962C8B-B14F-4D97-AF65-F5344CB8AC3E}">
-        <p14:creationId xmlns:p14="http://schemas.microsoft.com/office/powerpoint/2010/main" val="1244333781"/>
+        <p14:creationId xmlns:p14="http://schemas.microsoft.com/office/powerpoint/2010/main" val="1648843273"/>
       </p:ext>
     </p:extLst>
   </p:cSld>
@@ -6302,6 +6495,122 @@
           <p:cNvPr id="2" name="제목 1">
             <a:extLst>
               <a:ext uri="{FF2B5EF4-FFF2-40B4-BE49-F238E27FC236}">
+                <a16:creationId xmlns:a16="http://schemas.microsoft.com/office/drawing/2014/main" id="{98102352-50D3-3E53-D33F-3E8BB3753F66}"/>
+              </a:ext>
+            </a:extLst>
+          </p:cNvPr>
+          <p:cNvSpPr>
+            <a:spLocks noGrp="1"/>
+          </p:cNvSpPr>
+          <p:nvPr>
+            <p:ph type="title"/>
+          </p:nvPr>
+        </p:nvSpPr>
+        <p:spPr>
+          <a:xfrm>
+            <a:off x="838200" y="365124"/>
+            <a:ext cx="10515600" cy="806400"/>
+          </a:xfrm>
+          <a:gradFill>
+            <a:gsLst>
+              <a:gs pos="0">
+                <a:schemeClr val="accent1">
+                  <a:lumMod val="5000"/>
+                  <a:lumOff val="95000"/>
+                </a:schemeClr>
+              </a:gs>
+              <a:gs pos="100000">
+                <a:srgbClr val="061A7E"/>
+              </a:gs>
+            </a:gsLst>
+          </a:gradFill>
+        </p:spPr>
+        <p:txBody>
+          <a:bodyPr/>
+          <a:lstStyle/>
+          <a:p>
+            <a:r>
+              <a:rPr lang="en-US" altLang="ko-KR" dirty="0">
+                <a:latin typeface="HY헤드라인M" panose="02030600000101010101" pitchFamily="18" charset="-127"/>
+                <a:ea typeface="HY헤드라인M" panose="02030600000101010101" pitchFamily="18" charset="-127"/>
+              </a:rPr>
+              <a:t>ER Diagram </a:t>
+            </a:r>
+            <a:r>
+              <a:rPr lang="ko-KR" altLang="en-US" dirty="0">
+                <a:latin typeface="HY헤드라인M" panose="02030600000101010101" pitchFamily="18" charset="-127"/>
+                <a:ea typeface="HY헤드라인M" panose="02030600000101010101" pitchFamily="18" charset="-127"/>
+              </a:rPr>
+              <a:t>설계</a:t>
+            </a:r>
+          </a:p>
+        </p:txBody>
+      </p:sp>
+      <p:pic>
+        <p:nvPicPr>
+          <p:cNvPr id="5" name="그림 4">
+            <a:extLst>
+              <a:ext uri="{FF2B5EF4-FFF2-40B4-BE49-F238E27FC236}">
+                <a16:creationId xmlns:a16="http://schemas.microsoft.com/office/drawing/2014/main" id="{EA868258-76C4-003D-8573-6D2066CE2A1F}"/>
+              </a:ext>
+            </a:extLst>
+          </p:cNvPr>
+          <p:cNvPicPr>
+            <a:picLocks noChangeAspect="1"/>
+          </p:cNvPicPr>
+          <p:nvPr/>
+        </p:nvPicPr>
+        <p:blipFill>
+          <a:blip r:embed="rId2"/>
+          <a:stretch>
+            <a:fillRect/>
+          </a:stretch>
+        </p:blipFill>
+        <p:spPr>
+          <a:xfrm>
+            <a:off x="1674314" y="1394821"/>
+            <a:ext cx="8843371" cy="4988865"/>
+          </a:xfrm>
+          <a:prstGeom prst="rect">
+            <a:avLst/>
+          </a:prstGeom>
+        </p:spPr>
+      </p:pic>
+    </p:spTree>
+    <p:extLst>
+      <p:ext uri="{BB962C8B-B14F-4D97-AF65-F5344CB8AC3E}">
+        <p14:creationId xmlns:p14="http://schemas.microsoft.com/office/powerpoint/2010/main" val="2475733934"/>
+      </p:ext>
+    </p:extLst>
+  </p:cSld>
+  <p:clrMapOvr>
+    <a:masterClrMapping/>
+  </p:clrMapOvr>
+</p:sld>
+</file>
+
+<file path=ppt/slides/slide8.xml><?xml version="1.0" encoding="utf-8"?>
+<p:sld xmlns:a="http://schemas.openxmlformats.org/drawingml/2006/main" xmlns:r="http://schemas.openxmlformats.org/officeDocument/2006/relationships" xmlns:p="http://schemas.openxmlformats.org/presentationml/2006/main">
+  <p:cSld>
+    <p:spTree>
+      <p:nvGrpSpPr>
+        <p:cNvPr id="1" name=""/>
+        <p:cNvGrpSpPr/>
+        <p:nvPr/>
+      </p:nvGrpSpPr>
+      <p:grpSpPr>
+        <a:xfrm>
+          <a:off x="0" y="0"/>
+          <a:ext cx="0" cy="0"/>
+          <a:chOff x="0" y="0"/>
+          <a:chExt cx="0" cy="0"/>
+        </a:xfrm>
+      </p:grpSpPr>
+      <p:sp>
+        <p:nvSpPr>
+          <p:cNvPr id="2" name="제목 1">
+            <a:extLst>
+              <a:ext uri="{FF2B5EF4-FFF2-40B4-BE49-F238E27FC236}">
                 <a16:creationId xmlns:a16="http://schemas.microsoft.com/office/drawing/2014/main" id="{7EB86621-41BB-CEF5-5336-EC8FCD3FC926}"/>
               </a:ext>
             </a:extLst>
@@ -6387,6 +6696,122 @@
     <p:extLst>
       <p:ext uri="{BB962C8B-B14F-4D97-AF65-F5344CB8AC3E}">
         <p14:creationId xmlns:p14="http://schemas.microsoft.com/office/powerpoint/2010/main" val="399236066"/>
+      </p:ext>
+    </p:extLst>
+  </p:cSld>
+  <p:clrMapOvr>
+    <a:masterClrMapping/>
+  </p:clrMapOvr>
+</p:sld>
+</file>
+
+<file path=ppt/slides/slide9.xml><?xml version="1.0" encoding="utf-8"?>
+<p:sld xmlns:a="http://schemas.openxmlformats.org/drawingml/2006/main" xmlns:r="http://schemas.openxmlformats.org/officeDocument/2006/relationships" xmlns:p="http://schemas.openxmlformats.org/presentationml/2006/main">
+  <p:cSld>
+    <p:spTree>
+      <p:nvGrpSpPr>
+        <p:cNvPr id="1" name=""/>
+        <p:cNvGrpSpPr/>
+        <p:nvPr/>
+      </p:nvGrpSpPr>
+      <p:grpSpPr>
+        <a:xfrm>
+          <a:off x="0" y="0"/>
+          <a:ext cx="0" cy="0"/>
+          <a:chOff x="0" y="0"/>
+          <a:chExt cx="0" cy="0"/>
+        </a:xfrm>
+      </p:grpSpPr>
+      <p:sp>
+        <p:nvSpPr>
+          <p:cNvPr id="2" name="제목 1">
+            <a:extLst>
+              <a:ext uri="{FF2B5EF4-FFF2-40B4-BE49-F238E27FC236}">
+                <a16:creationId xmlns:a16="http://schemas.microsoft.com/office/drawing/2014/main" id="{2E7DA888-FD1D-9FAD-D6F1-5D1E48812BC5}"/>
+              </a:ext>
+            </a:extLst>
+          </p:cNvPr>
+          <p:cNvSpPr>
+            <a:spLocks noGrp="1"/>
+          </p:cNvSpPr>
+          <p:nvPr>
+            <p:ph type="title"/>
+          </p:nvPr>
+        </p:nvSpPr>
+        <p:spPr>
+          <a:xfrm>
+            <a:off x="838200" y="365124"/>
+            <a:ext cx="10515600" cy="806400"/>
+          </a:xfrm>
+          <a:gradFill>
+            <a:gsLst>
+              <a:gs pos="0">
+                <a:schemeClr val="accent1">
+                  <a:lumMod val="5000"/>
+                  <a:lumOff val="95000"/>
+                </a:schemeClr>
+              </a:gs>
+              <a:gs pos="100000">
+                <a:srgbClr val="061A7E"/>
+              </a:gs>
+            </a:gsLst>
+          </a:gradFill>
+        </p:spPr>
+        <p:txBody>
+          <a:bodyPr/>
+          <a:lstStyle/>
+          <a:p>
+            <a:r>
+              <a:rPr lang="en-US" altLang="ko-KR" dirty="0">
+                <a:latin typeface="HY헤드라인M" panose="02030600000101010101" pitchFamily="18" charset="-127"/>
+                <a:ea typeface="HY헤드라인M" panose="02030600000101010101" pitchFamily="18" charset="-127"/>
+              </a:rPr>
+              <a:t>ERD-</a:t>
+            </a:r>
+            <a:r>
+              <a:rPr lang="ko-KR" altLang="en-US" dirty="0">
+                <a:latin typeface="HY헤드라인M" panose="02030600000101010101" pitchFamily="18" charset="-127"/>
+                <a:ea typeface="HY헤드라인M" panose="02030600000101010101" pitchFamily="18" charset="-127"/>
+              </a:rPr>
+              <a:t>사용자정보</a:t>
+            </a:r>
+          </a:p>
+        </p:txBody>
+      </p:sp>
+      <p:pic>
+        <p:nvPicPr>
+          <p:cNvPr id="4" name="그림 3">
+            <a:extLst>
+              <a:ext uri="{FF2B5EF4-FFF2-40B4-BE49-F238E27FC236}">
+                <a16:creationId xmlns:a16="http://schemas.microsoft.com/office/drawing/2014/main" id="{D2424C83-5125-08A1-070A-1D2EA84C43E2}"/>
+              </a:ext>
+            </a:extLst>
+          </p:cNvPr>
+          <p:cNvPicPr>
+            <a:picLocks noChangeAspect="1"/>
+          </p:cNvPicPr>
+          <p:nvPr/>
+        </p:nvPicPr>
+        <p:blipFill>
+          <a:blip r:embed="rId2"/>
+          <a:stretch>
+            <a:fillRect/>
+          </a:stretch>
+        </p:blipFill>
+        <p:spPr>
+          <a:xfrm>
+            <a:off x="2849697" y="2019706"/>
+            <a:ext cx="6492605" cy="3226549"/>
+          </a:xfrm>
+          <a:prstGeom prst="rect">
+            <a:avLst/>
+          </a:prstGeom>
+        </p:spPr>
+      </p:pic>
+    </p:spTree>
+    <p:extLst>
+      <p:ext uri="{BB962C8B-B14F-4D97-AF65-F5344CB8AC3E}">
+        <p14:creationId xmlns:p14="http://schemas.microsoft.com/office/powerpoint/2010/main" val="1244333781"/>
       </p:ext>
     </p:extLst>
   </p:cSld>
